--- a/제안서/발표용 제안서/중간/발표 이후 내부 회의용.pptx
+++ b/제안서/발표용 제안서/중간/발표 이후 내부 회의용.pptx
@@ -35726,12 +35726,12 @@
         <p:spPr>
           <a:xfrm>
             <a:off x="1028700" y="1828626"/>
-            <a:ext cx="7200900" cy="4377774"/>
+            <a:ext cx="7200900" cy="4876974"/>
           </a:xfrm>
         </p:spPr>
         <p:txBody>
           <a:bodyPr>
-            <a:normAutofit/>
+            <a:normAutofit lnSpcReduction="10000"/>
           </a:bodyPr>
           <a:lstStyle/>
           <a:p>
@@ -35743,7 +35743,7 @@
               <a:buAutoNum type="alphaUcPeriod"/>
             </a:pPr>
             <a:r>
-              <a:rPr lang="en-US" altLang="ko-KR" sz="2300" dirty="0">
+              <a:rPr lang="ko-KR" altLang="en-US" sz="1950" i="0" dirty="0" err="1">
                 <a:solidFill>
                   <a:schemeClr val="tx1">
                     <a:lumMod val="95000"/>
@@ -35760,7 +35760,609 @@
                 <a:latin typeface="맑은 고딕" panose="020B0503020000020004" pitchFamily="50" charset="-127"/>
                 <a:ea typeface="맑은 고딕" panose="020B0503020000020004" pitchFamily="50" charset="-127"/>
               </a:rPr>
-              <a:t>?</a:t>
+              <a:t>스태틱</a:t>
+            </a:r>
+            <a:r>
+              <a:rPr lang="ko-KR" altLang="en-US" sz="1950" i="0" dirty="0">
+                <a:solidFill>
+                  <a:schemeClr val="tx1">
+                    <a:lumMod val="95000"/>
+                    <a:lumOff val="5000"/>
+                  </a:schemeClr>
+                </a:solidFill>
+                <a:effectLst>
+                  <a:outerShdw blurRad="38100" dist="38100" dir="2700000" algn="tl">
+                    <a:srgbClr val="000000">
+                      <a:alpha val="43137"/>
+                    </a:srgbClr>
+                  </a:outerShdw>
+                </a:effectLst>
+                <a:latin typeface="맑은 고딕" panose="020B0503020000020004" pitchFamily="50" charset="-127"/>
+                <a:ea typeface="맑은 고딕" panose="020B0503020000020004" pitchFamily="50" charset="-127"/>
+              </a:rPr>
+              <a:t> 오브젝트 라이트 처리 함수 확인</a:t>
+            </a:r>
+            <a:endParaRPr lang="en-US" altLang="ko-KR" sz="1950" i="0" dirty="0">
+              <a:solidFill>
+                <a:schemeClr val="tx1">
+                  <a:lumMod val="95000"/>
+                  <a:lumOff val="5000"/>
+                </a:schemeClr>
+              </a:solidFill>
+              <a:effectLst>
+                <a:outerShdw blurRad="38100" dist="38100" dir="2700000" algn="tl">
+                  <a:srgbClr val="000000">
+                    <a:alpha val="43137"/>
+                  </a:srgbClr>
+                </a:outerShdw>
+              </a:effectLst>
+              <a:latin typeface="맑은 고딕" panose="020B0503020000020004" pitchFamily="50" charset="-127"/>
+              <a:ea typeface="맑은 고딕" panose="020B0503020000020004" pitchFamily="50" charset="-127"/>
+            </a:endParaRPr>
+          </a:p>
+          <a:p>
+            <a:pPr marL="457200" indent="-457200">
+              <a:lnSpc>
+                <a:spcPct val="160000"/>
+              </a:lnSpc>
+              <a:buFont typeface="+mj-lt"/>
+              <a:buAutoNum type="alphaUcPeriod"/>
+            </a:pPr>
+            <a:r>
+              <a:rPr lang="en-US" altLang="ko-KR" sz="1950" i="0" dirty="0" err="1">
+                <a:solidFill>
+                  <a:schemeClr val="tx1">
+                    <a:lumMod val="95000"/>
+                    <a:lumOff val="5000"/>
+                  </a:schemeClr>
+                </a:solidFill>
+                <a:effectLst>
+                  <a:outerShdw blurRad="38100" dist="38100" dir="2700000" algn="tl">
+                    <a:srgbClr val="000000">
+                      <a:alpha val="43137"/>
+                    </a:srgbClr>
+                  </a:outerShdw>
+                </a:effectLst>
+                <a:latin typeface="맑은 고딕" panose="020B0503020000020004" pitchFamily="50" charset="-127"/>
+                <a:ea typeface="맑은 고딕" panose="020B0503020000020004" pitchFamily="50" charset="-127"/>
+              </a:rPr>
+              <a:t>Astar</a:t>
+            </a:r>
+            <a:r>
+              <a:rPr lang="en-US" altLang="ko-KR" sz="1950" i="0" dirty="0">
+                <a:solidFill>
+                  <a:schemeClr val="tx1">
+                    <a:lumMod val="95000"/>
+                    <a:lumOff val="5000"/>
+                  </a:schemeClr>
+                </a:solidFill>
+                <a:effectLst>
+                  <a:outerShdw blurRad="38100" dist="38100" dir="2700000" algn="tl">
+                    <a:srgbClr val="000000">
+                      <a:alpha val="43137"/>
+                    </a:srgbClr>
+                  </a:outerShdw>
+                </a:effectLst>
+                <a:latin typeface="맑은 고딕" panose="020B0503020000020004" pitchFamily="50" charset="-127"/>
+                <a:ea typeface="맑은 고딕" panose="020B0503020000020004" pitchFamily="50" charset="-127"/>
+              </a:rPr>
+              <a:t> </a:t>
+            </a:r>
+            <a:r>
+              <a:rPr lang="ko-KR" altLang="en-US" sz="1950" i="0" dirty="0">
+                <a:solidFill>
+                  <a:schemeClr val="tx1">
+                    <a:lumMod val="95000"/>
+                    <a:lumOff val="5000"/>
+                  </a:schemeClr>
+                </a:solidFill>
+                <a:effectLst>
+                  <a:outerShdw blurRad="38100" dist="38100" dir="2700000" algn="tl">
+                    <a:srgbClr val="000000">
+                      <a:alpha val="43137"/>
+                    </a:srgbClr>
+                  </a:outerShdw>
+                </a:effectLst>
+                <a:latin typeface="맑은 고딕" panose="020B0503020000020004" pitchFamily="50" charset="-127"/>
+                <a:ea typeface="맑은 고딕" panose="020B0503020000020004" pitchFamily="50" charset="-127"/>
+              </a:rPr>
+              <a:t>노드</a:t>
+            </a:r>
+            <a:r>
+              <a:rPr lang="en-US" altLang="ko-KR" sz="1950" i="0" dirty="0">
+                <a:solidFill>
+                  <a:schemeClr val="tx1">
+                    <a:lumMod val="95000"/>
+                    <a:lumOff val="5000"/>
+                  </a:schemeClr>
+                </a:solidFill>
+                <a:effectLst>
+                  <a:outerShdw blurRad="38100" dist="38100" dir="2700000" algn="tl">
+                    <a:srgbClr val="000000">
+                      <a:alpha val="43137"/>
+                    </a:srgbClr>
+                  </a:outerShdw>
+                </a:effectLst>
+                <a:latin typeface="맑은 고딕" panose="020B0503020000020004" pitchFamily="50" charset="-127"/>
+                <a:ea typeface="맑은 고딕" panose="020B0503020000020004" pitchFamily="50" charset="-127"/>
+              </a:rPr>
+              <a:t>, </a:t>
+            </a:r>
+            <a:r>
+              <a:rPr lang="ko-KR" altLang="en-US" sz="1950" i="0" dirty="0" err="1">
+                <a:solidFill>
+                  <a:schemeClr val="tx1">
+                    <a:lumMod val="95000"/>
+                    <a:lumOff val="5000"/>
+                  </a:schemeClr>
+                </a:solidFill>
+                <a:effectLst>
+                  <a:outerShdw blurRad="38100" dist="38100" dir="2700000" algn="tl">
+                    <a:srgbClr val="000000">
+                      <a:alpha val="43137"/>
+                    </a:srgbClr>
+                  </a:outerShdw>
+                </a:effectLst>
+                <a:latin typeface="맑은 고딕" panose="020B0503020000020004" pitchFamily="50" charset="-127"/>
+                <a:ea typeface="맑은 고딕" panose="020B0503020000020004" pitchFamily="50" charset="-127"/>
+              </a:rPr>
+              <a:t>엣지</a:t>
+            </a:r>
+            <a:r>
+              <a:rPr lang="ko-KR" altLang="en-US" sz="1950" i="0" dirty="0">
+                <a:solidFill>
+                  <a:schemeClr val="tx1">
+                    <a:lumMod val="95000"/>
+                    <a:lumOff val="5000"/>
+                  </a:schemeClr>
+                </a:solidFill>
+                <a:effectLst>
+                  <a:outerShdw blurRad="38100" dist="38100" dir="2700000" algn="tl">
+                    <a:srgbClr val="000000">
+                      <a:alpha val="43137"/>
+                    </a:srgbClr>
+                  </a:outerShdw>
+                </a:effectLst>
+                <a:latin typeface="맑은 고딕" panose="020B0503020000020004" pitchFamily="50" charset="-127"/>
+                <a:ea typeface="맑은 고딕" panose="020B0503020000020004" pitchFamily="50" charset="-127"/>
+              </a:rPr>
+              <a:t> 생성 미리 </a:t>
+            </a:r>
+            <a:r>
+              <a:rPr lang="ko-KR" altLang="en-US" sz="1950" dirty="0">
+                <a:solidFill>
+                  <a:schemeClr val="tx1">
+                    <a:lumMod val="95000"/>
+                    <a:lumOff val="5000"/>
+                  </a:schemeClr>
+                </a:solidFill>
+                <a:effectLst>
+                  <a:outerShdw blurRad="38100" dist="38100" dir="2700000" algn="tl">
+                    <a:srgbClr val="000000">
+                      <a:alpha val="43137"/>
+                    </a:srgbClr>
+                  </a:outerShdw>
+                </a:effectLst>
+                <a:latin typeface="맑은 고딕" panose="020B0503020000020004" pitchFamily="50" charset="-127"/>
+                <a:ea typeface="맑은 고딕" panose="020B0503020000020004" pitchFamily="50" charset="-127"/>
+              </a:rPr>
+              <a:t>해서 파일로 저장</a:t>
+            </a:r>
+            <a:endParaRPr lang="en-US" altLang="ko-KR" sz="1950" dirty="0">
+              <a:solidFill>
+                <a:schemeClr val="tx1">
+                  <a:lumMod val="95000"/>
+                  <a:lumOff val="5000"/>
+                </a:schemeClr>
+              </a:solidFill>
+              <a:effectLst>
+                <a:outerShdw blurRad="38100" dist="38100" dir="2700000" algn="tl">
+                  <a:srgbClr val="000000">
+                    <a:alpha val="43137"/>
+                  </a:srgbClr>
+                </a:outerShdw>
+              </a:effectLst>
+              <a:latin typeface="맑은 고딕" panose="020B0503020000020004" pitchFamily="50" charset="-127"/>
+              <a:ea typeface="맑은 고딕" panose="020B0503020000020004" pitchFamily="50" charset="-127"/>
+            </a:endParaRPr>
+          </a:p>
+          <a:p>
+            <a:pPr marL="457200" indent="-457200">
+              <a:lnSpc>
+                <a:spcPct val="160000"/>
+              </a:lnSpc>
+              <a:buFont typeface="+mj-lt"/>
+              <a:buAutoNum type="alphaUcPeriod"/>
+            </a:pPr>
+            <a:r>
+              <a:rPr lang="ko-KR" altLang="en-US" sz="1950" dirty="0">
+                <a:solidFill>
+                  <a:schemeClr val="tx1">
+                    <a:lumMod val="95000"/>
+                    <a:lumOff val="5000"/>
+                  </a:schemeClr>
+                </a:solidFill>
+                <a:effectLst>
+                  <a:outerShdw blurRad="38100" dist="38100" dir="2700000" algn="tl">
+                    <a:srgbClr val="000000">
+                      <a:alpha val="43137"/>
+                    </a:srgbClr>
+                  </a:outerShdw>
+                </a:effectLst>
+                <a:latin typeface="맑은 고딕" panose="020B0503020000020004" pitchFamily="50" charset="-127"/>
+                <a:ea typeface="맑은 고딕" panose="020B0503020000020004" pitchFamily="50" charset="-127"/>
+              </a:rPr>
+              <a:t>지형 생성</a:t>
+            </a:r>
+            <a:r>
+              <a:rPr lang="en-US" altLang="ko-KR" sz="1950" dirty="0">
+                <a:solidFill>
+                  <a:schemeClr val="tx1">
+                    <a:lumMod val="95000"/>
+                    <a:lumOff val="5000"/>
+                  </a:schemeClr>
+                </a:solidFill>
+                <a:effectLst>
+                  <a:outerShdw blurRad="38100" dist="38100" dir="2700000" algn="tl">
+                    <a:srgbClr val="000000">
+                      <a:alpha val="43137"/>
+                    </a:srgbClr>
+                  </a:outerShdw>
+                </a:effectLst>
+                <a:latin typeface="맑은 고딕" panose="020B0503020000020004" pitchFamily="50" charset="-127"/>
+                <a:ea typeface="맑은 고딕" panose="020B0503020000020004" pitchFamily="50" charset="-127"/>
+              </a:rPr>
+              <a:t>, </a:t>
+            </a:r>
+            <a:r>
+              <a:rPr lang="ko-KR" altLang="en-US" sz="1950" dirty="0" err="1">
+                <a:solidFill>
+                  <a:schemeClr val="tx1">
+                    <a:lumMod val="95000"/>
+                    <a:lumOff val="5000"/>
+                  </a:schemeClr>
+                </a:solidFill>
+                <a:effectLst>
+                  <a:outerShdw blurRad="38100" dist="38100" dir="2700000" algn="tl">
+                    <a:srgbClr val="000000">
+                      <a:alpha val="43137"/>
+                    </a:srgbClr>
+                  </a:outerShdw>
+                </a:effectLst>
+                <a:latin typeface="맑은 고딕" panose="020B0503020000020004" pitchFamily="50" charset="-127"/>
+                <a:ea typeface="맑은 고딕" panose="020B0503020000020004" pitchFamily="50" charset="-127"/>
+              </a:rPr>
+              <a:t>랜더링</a:t>
+            </a:r>
+            <a:r>
+              <a:rPr lang="ko-KR" altLang="en-US" sz="1950" dirty="0">
+                <a:solidFill>
+                  <a:schemeClr val="tx1">
+                    <a:lumMod val="95000"/>
+                    <a:lumOff val="5000"/>
+                  </a:schemeClr>
+                </a:solidFill>
+                <a:effectLst>
+                  <a:outerShdw blurRad="38100" dist="38100" dir="2700000" algn="tl">
+                    <a:srgbClr val="000000">
+                      <a:alpha val="43137"/>
+                    </a:srgbClr>
+                  </a:outerShdw>
+                </a:effectLst>
+                <a:latin typeface="맑은 고딕" panose="020B0503020000020004" pitchFamily="50" charset="-127"/>
+                <a:ea typeface="맑은 고딕" panose="020B0503020000020004" pitchFamily="50" charset="-127"/>
+              </a:rPr>
+              <a:t> 방법 변경</a:t>
+            </a:r>
+            <a:endParaRPr lang="en-US" altLang="ko-KR" sz="1950" dirty="0">
+              <a:solidFill>
+                <a:schemeClr val="tx1">
+                  <a:lumMod val="95000"/>
+                  <a:lumOff val="5000"/>
+                </a:schemeClr>
+              </a:solidFill>
+              <a:effectLst>
+                <a:outerShdw blurRad="38100" dist="38100" dir="2700000" algn="tl">
+                  <a:srgbClr val="000000">
+                    <a:alpha val="43137"/>
+                  </a:srgbClr>
+                </a:outerShdw>
+              </a:effectLst>
+              <a:latin typeface="맑은 고딕" panose="020B0503020000020004" pitchFamily="50" charset="-127"/>
+              <a:ea typeface="맑은 고딕" panose="020B0503020000020004" pitchFamily="50" charset="-127"/>
+            </a:endParaRPr>
+          </a:p>
+          <a:p>
+            <a:pPr marL="457200" indent="-457200">
+              <a:lnSpc>
+                <a:spcPct val="160000"/>
+              </a:lnSpc>
+              <a:buFont typeface="+mj-lt"/>
+              <a:buAutoNum type="alphaUcPeriod"/>
+            </a:pPr>
+            <a:r>
+              <a:rPr lang="ko-KR" altLang="en-US" sz="1950" dirty="0">
+                <a:solidFill>
+                  <a:schemeClr val="tx1">
+                    <a:lumMod val="95000"/>
+                    <a:lumOff val="5000"/>
+                  </a:schemeClr>
+                </a:solidFill>
+                <a:effectLst>
+                  <a:outerShdw blurRad="38100" dist="38100" dir="2700000" algn="tl">
+                    <a:srgbClr val="000000">
+                      <a:alpha val="43137"/>
+                    </a:srgbClr>
+                  </a:outerShdw>
+                </a:effectLst>
+                <a:latin typeface="맑은 고딕" panose="020B0503020000020004" pitchFamily="50" charset="-127"/>
+                <a:ea typeface="맑은 고딕" panose="020B0503020000020004" pitchFamily="50" charset="-127"/>
+              </a:rPr>
+              <a:t>중립 몬스터 </a:t>
+            </a:r>
+            <a:r>
+              <a:rPr lang="en-US" altLang="ko-KR" sz="1950" dirty="0">
+                <a:solidFill>
+                  <a:schemeClr val="tx1">
+                    <a:lumMod val="95000"/>
+                    <a:lumOff val="5000"/>
+                  </a:schemeClr>
+                </a:solidFill>
+                <a:effectLst>
+                  <a:outerShdw blurRad="38100" dist="38100" dir="2700000" algn="tl">
+                    <a:srgbClr val="000000">
+                      <a:alpha val="43137"/>
+                    </a:srgbClr>
+                  </a:outerShdw>
+                </a:effectLst>
+                <a:latin typeface="맑은 고딕" panose="020B0503020000020004" pitchFamily="50" charset="-127"/>
+                <a:ea typeface="맑은 고딕" panose="020B0503020000020004" pitchFamily="50" charset="-127"/>
+              </a:rPr>
+              <a:t>FSM </a:t>
+            </a:r>
+            <a:r>
+              <a:rPr lang="ko-KR" altLang="en-US" sz="1950" dirty="0">
+                <a:solidFill>
+                  <a:schemeClr val="tx1">
+                    <a:lumMod val="95000"/>
+                    <a:lumOff val="5000"/>
+                  </a:schemeClr>
+                </a:solidFill>
+                <a:effectLst>
+                  <a:outerShdw blurRad="38100" dist="38100" dir="2700000" algn="tl">
+                    <a:srgbClr val="000000">
+                      <a:alpha val="43137"/>
+                    </a:srgbClr>
+                  </a:outerShdw>
+                </a:effectLst>
+                <a:latin typeface="맑은 고딕" panose="020B0503020000020004" pitchFamily="50" charset="-127"/>
+                <a:ea typeface="맑은 고딕" panose="020B0503020000020004" pitchFamily="50" charset="-127"/>
+              </a:rPr>
+              <a:t>제작</a:t>
+            </a:r>
+            <a:endParaRPr lang="en-US" altLang="ko-KR" sz="1950" dirty="0">
+              <a:solidFill>
+                <a:schemeClr val="tx1">
+                  <a:lumMod val="95000"/>
+                  <a:lumOff val="5000"/>
+                </a:schemeClr>
+              </a:solidFill>
+              <a:effectLst>
+                <a:outerShdw blurRad="38100" dist="38100" dir="2700000" algn="tl">
+                  <a:srgbClr val="000000">
+                    <a:alpha val="43137"/>
+                  </a:srgbClr>
+                </a:outerShdw>
+              </a:effectLst>
+              <a:latin typeface="맑은 고딕" panose="020B0503020000020004" pitchFamily="50" charset="-127"/>
+              <a:ea typeface="맑은 고딕" panose="020B0503020000020004" pitchFamily="50" charset="-127"/>
+            </a:endParaRPr>
+          </a:p>
+          <a:p>
+            <a:pPr marL="457200" indent="-457200">
+              <a:lnSpc>
+                <a:spcPct val="160000"/>
+              </a:lnSpc>
+              <a:buFont typeface="+mj-lt"/>
+              <a:buAutoNum type="alphaUcPeriod"/>
+            </a:pPr>
+            <a:r>
+              <a:rPr lang="ko-KR" altLang="en-US" sz="1950" i="0" dirty="0" err="1">
+                <a:solidFill>
+                  <a:schemeClr val="tx1">
+                    <a:lumMod val="95000"/>
+                    <a:lumOff val="5000"/>
+                  </a:schemeClr>
+                </a:solidFill>
+                <a:effectLst>
+                  <a:outerShdw blurRad="38100" dist="38100" dir="2700000" algn="tl">
+                    <a:srgbClr val="000000">
+                      <a:alpha val="43137"/>
+                    </a:srgbClr>
+                  </a:outerShdw>
+                </a:effectLst>
+                <a:latin typeface="맑은 고딕" panose="020B0503020000020004" pitchFamily="50" charset="-127"/>
+                <a:ea typeface="맑은 고딕" panose="020B0503020000020004" pitchFamily="50" charset="-127"/>
+              </a:rPr>
+              <a:t>카툰</a:t>
+            </a:r>
+            <a:r>
+              <a:rPr lang="ko-KR" altLang="en-US" sz="1950" i="0" dirty="0">
+                <a:solidFill>
+                  <a:schemeClr val="tx1">
+                    <a:lumMod val="95000"/>
+                    <a:lumOff val="5000"/>
+                  </a:schemeClr>
+                </a:solidFill>
+                <a:effectLst>
+                  <a:outerShdw blurRad="38100" dist="38100" dir="2700000" algn="tl">
+                    <a:srgbClr val="000000">
+                      <a:alpha val="43137"/>
+                    </a:srgbClr>
+                  </a:outerShdw>
+                </a:effectLst>
+                <a:latin typeface="맑은 고딕" panose="020B0503020000020004" pitchFamily="50" charset="-127"/>
+                <a:ea typeface="맑은 고딕" panose="020B0503020000020004" pitchFamily="50" charset="-127"/>
+              </a:rPr>
+              <a:t> 렌더링 적용</a:t>
+            </a:r>
+            <a:endParaRPr lang="en-US" altLang="ko-KR" sz="1950" i="0" dirty="0">
+              <a:solidFill>
+                <a:schemeClr val="tx1">
+                  <a:lumMod val="95000"/>
+                  <a:lumOff val="5000"/>
+                </a:schemeClr>
+              </a:solidFill>
+              <a:effectLst>
+                <a:outerShdw blurRad="38100" dist="38100" dir="2700000" algn="tl">
+                  <a:srgbClr val="000000">
+                    <a:alpha val="43137"/>
+                  </a:srgbClr>
+                </a:outerShdw>
+              </a:effectLst>
+              <a:latin typeface="맑은 고딕" panose="020B0503020000020004" pitchFamily="50" charset="-127"/>
+              <a:ea typeface="맑은 고딕" panose="020B0503020000020004" pitchFamily="50" charset="-127"/>
+            </a:endParaRPr>
+          </a:p>
+          <a:p>
+            <a:pPr marL="457200" indent="-457200">
+              <a:lnSpc>
+                <a:spcPct val="160000"/>
+              </a:lnSpc>
+              <a:buFont typeface="+mj-lt"/>
+              <a:buAutoNum type="alphaUcPeriod"/>
+            </a:pPr>
+            <a:r>
+              <a:rPr lang="ko-KR" altLang="en-US" sz="1950" i="0" dirty="0">
+                <a:solidFill>
+                  <a:schemeClr val="tx1">
+                    <a:lumMod val="95000"/>
+                    <a:lumOff val="5000"/>
+                  </a:schemeClr>
+                </a:solidFill>
+                <a:effectLst>
+                  <a:outerShdw blurRad="38100" dist="38100" dir="2700000" algn="tl">
+                    <a:srgbClr val="000000">
+                      <a:alpha val="43137"/>
+                    </a:srgbClr>
+                  </a:outerShdw>
+                </a:effectLst>
+                <a:latin typeface="맑은 고딕" panose="020B0503020000020004" pitchFamily="50" charset="-127"/>
+                <a:ea typeface="맑은 고딕" panose="020B0503020000020004" pitchFamily="50" charset="-127"/>
+              </a:rPr>
+              <a:t>스케치 이펙트 적용</a:t>
+            </a:r>
+            <a:endParaRPr lang="en-US" altLang="ko-KR" sz="1950" i="0" dirty="0">
+              <a:solidFill>
+                <a:schemeClr val="tx1">
+                  <a:lumMod val="95000"/>
+                  <a:lumOff val="5000"/>
+                </a:schemeClr>
+              </a:solidFill>
+              <a:effectLst>
+                <a:outerShdw blurRad="38100" dist="38100" dir="2700000" algn="tl">
+                  <a:srgbClr val="000000">
+                    <a:alpha val="43137"/>
+                  </a:srgbClr>
+                </a:outerShdw>
+              </a:effectLst>
+              <a:latin typeface="맑은 고딕" panose="020B0503020000020004" pitchFamily="50" charset="-127"/>
+              <a:ea typeface="맑은 고딕" panose="020B0503020000020004" pitchFamily="50" charset="-127"/>
+            </a:endParaRPr>
+          </a:p>
+          <a:p>
+            <a:pPr marL="457200" indent="-457200">
+              <a:lnSpc>
+                <a:spcPct val="160000"/>
+              </a:lnSpc>
+              <a:buFont typeface="+mj-lt"/>
+              <a:buAutoNum type="alphaUcPeriod"/>
+            </a:pPr>
+            <a:r>
+              <a:rPr lang="ko-KR" altLang="en-US" sz="1950" i="0" dirty="0">
+                <a:solidFill>
+                  <a:schemeClr val="tx1">
+                    <a:lumMod val="95000"/>
+                    <a:lumOff val="5000"/>
+                  </a:schemeClr>
+                </a:solidFill>
+                <a:effectLst>
+                  <a:outerShdw blurRad="38100" dist="38100" dir="2700000" algn="tl">
+                    <a:srgbClr val="000000">
+                      <a:alpha val="43137"/>
+                    </a:srgbClr>
+                  </a:outerShdw>
+                </a:effectLst>
+                <a:latin typeface="맑은 고딕" panose="020B0503020000020004" pitchFamily="50" charset="-127"/>
+                <a:ea typeface="맑은 고딕" panose="020B0503020000020004" pitchFamily="50" charset="-127"/>
+              </a:rPr>
+              <a:t>전장의 안개 적용</a:t>
+            </a:r>
+            <a:endParaRPr lang="en-US" altLang="ko-KR" sz="1950" i="0" dirty="0">
+              <a:solidFill>
+                <a:schemeClr val="tx1">
+                  <a:lumMod val="95000"/>
+                  <a:lumOff val="5000"/>
+                </a:schemeClr>
+              </a:solidFill>
+              <a:effectLst>
+                <a:outerShdw blurRad="38100" dist="38100" dir="2700000" algn="tl">
+                  <a:srgbClr val="000000">
+                    <a:alpha val="43137"/>
+                  </a:srgbClr>
+                </a:outerShdw>
+              </a:effectLst>
+              <a:latin typeface="맑은 고딕" panose="020B0503020000020004" pitchFamily="50" charset="-127"/>
+              <a:ea typeface="맑은 고딕" panose="020B0503020000020004" pitchFamily="50" charset="-127"/>
+            </a:endParaRPr>
+          </a:p>
+          <a:p>
+            <a:pPr marL="457200" indent="-457200">
+              <a:lnSpc>
+                <a:spcPct val="160000"/>
+              </a:lnSpc>
+              <a:buFont typeface="+mj-lt"/>
+              <a:buAutoNum type="alphaUcPeriod"/>
+            </a:pPr>
+            <a:r>
+              <a:rPr lang="ko-KR" altLang="en-US" sz="1950" dirty="0" err="1">
+                <a:solidFill>
+                  <a:schemeClr val="tx1">
+                    <a:lumMod val="95000"/>
+                    <a:lumOff val="5000"/>
+                  </a:schemeClr>
+                </a:solidFill>
+                <a:effectLst>
+                  <a:outerShdw blurRad="38100" dist="38100" dir="2700000" algn="tl">
+                    <a:srgbClr val="000000">
+                      <a:alpha val="43137"/>
+                    </a:srgbClr>
+                  </a:outerShdw>
+                </a:effectLst>
+                <a:latin typeface="맑은 고딕" panose="020B0503020000020004" pitchFamily="50" charset="-127"/>
+                <a:ea typeface="맑은 고딕" panose="020B0503020000020004" pitchFamily="50" charset="-127"/>
+              </a:rPr>
+              <a:t>부쉬</a:t>
+            </a:r>
+            <a:r>
+              <a:rPr lang="ko-KR" altLang="en-US" sz="1950" dirty="0">
+                <a:solidFill>
+                  <a:schemeClr val="tx1">
+                    <a:lumMod val="95000"/>
+                    <a:lumOff val="5000"/>
+                  </a:schemeClr>
+                </a:solidFill>
+                <a:effectLst>
+                  <a:outerShdw blurRad="38100" dist="38100" dir="2700000" algn="tl">
+                    <a:srgbClr val="000000">
+                      <a:alpha val="43137"/>
+                    </a:srgbClr>
+                  </a:outerShdw>
+                </a:effectLst>
+                <a:latin typeface="맑은 고딕" panose="020B0503020000020004" pitchFamily="50" charset="-127"/>
+                <a:ea typeface="맑은 고딕" panose="020B0503020000020004" pitchFamily="50" charset="-127"/>
+              </a:rPr>
+              <a:t> 제작 및 적용</a:t>
             </a:r>
             <a:endParaRPr lang="en-US" altLang="ko-KR" sz="1950" i="0" dirty="0">
               <a:solidFill>

--- a/제안서/발표용 제안서/중간/발표 이후 내부 회의용.pptx
+++ b/제안서/발표용 제안서/중간/발표 이후 내부 회의용.pptx
@@ -221,7 +221,7 @@
           <a:p>
             <a:fld id="{174CF4B6-C8D6-438C-8B7D-E8AF3EC6F65B}" type="datetimeFigureOut">
               <a:rPr lang="ko-KR" altLang="en-US" smtClean="0"/>
-              <a:t>2018-05-14</a:t>
+              <a:t>2018-05-15</a:t>
             </a:fld>
             <a:endParaRPr lang="ko-KR" altLang="en-US"/>
           </a:p>
@@ -657,7 +657,7 @@
           <a:p>
             <a:fld id="{997C0C2C-FB57-479D-BE7F-6EC34BF7043C}" type="datetime1">
               <a:rPr lang="en-US" altLang="ko-KR" smtClean="0"/>
-              <a:t>5/14/2018</a:t>
+              <a:t>5/15/2018</a:t>
             </a:fld>
             <a:endParaRPr lang="en-US" dirty="0"/>
           </a:p>
@@ -988,7 +988,7 @@
           <a:p>
             <a:fld id="{047308E6-C353-4980-BC35-3BA553F61D46}" type="datetime1">
               <a:rPr lang="en-US" altLang="ko-KR" smtClean="0"/>
-              <a:t>5/14/2018</a:t>
+              <a:t>5/15/2018</a:t>
             </a:fld>
             <a:endParaRPr lang="en-US" dirty="0"/>
           </a:p>
@@ -1168,7 +1168,7 @@
           <a:p>
             <a:fld id="{925E33ED-602B-46D4-AC4E-A3EC8D1FE08B}" type="datetime1">
               <a:rPr lang="en-US" altLang="ko-KR" smtClean="0"/>
-              <a:t>5/14/2018</a:t>
+              <a:t>5/15/2018</a:t>
             </a:fld>
             <a:endParaRPr lang="en-US" dirty="0"/>
           </a:p>
@@ -1338,7 +1338,7 @@
           <a:p>
             <a:fld id="{CDCA6F40-FDE7-4477-94C1-42AFCA093BA3}" type="datetime1">
               <a:rPr lang="en-US" altLang="ko-KR" smtClean="0"/>
-              <a:t>5/14/2018</a:t>
+              <a:t>5/15/2018</a:t>
             </a:fld>
             <a:endParaRPr lang="en-US" dirty="0"/>
           </a:p>
@@ -1616,7 +1616,7 @@
           <a:p>
             <a:fld id="{E5AD4DDD-EA1C-4615-97C2-D68EC457B4CF}" type="datetime1">
               <a:rPr lang="en-US" altLang="ko-KR" smtClean="0"/>
-              <a:t>5/14/2018</a:t>
+              <a:t>5/15/2018</a:t>
             </a:fld>
             <a:endParaRPr lang="en-US" dirty="0"/>
           </a:p>
@@ -2067,7 +2067,7 @@
           <a:p>
             <a:fld id="{CA0F03C5-1E3C-44BE-9E2F-087D284D2C5D}" type="datetime1">
               <a:rPr lang="en-US" altLang="ko-KR" smtClean="0"/>
-              <a:t>5/14/2018</a:t>
+              <a:t>5/15/2018</a:t>
             </a:fld>
             <a:endParaRPr lang="en-US" dirty="0"/>
           </a:p>
@@ -2544,7 +2544,7 @@
           <a:p>
             <a:fld id="{23CB4308-201A-4967-870E-1ACB91AA6D8E}" type="datetime1">
               <a:rPr lang="en-US" altLang="ko-KR" smtClean="0"/>
-              <a:t>5/14/2018</a:t>
+              <a:t>5/15/2018</a:t>
             </a:fld>
             <a:endParaRPr lang="en-US" dirty="0"/>
           </a:p>
@@ -2662,7 +2662,7 @@
           <a:p>
             <a:fld id="{2AE391EA-DA61-4C24-8C9E-58C8105C0CDC}" type="datetime1">
               <a:rPr lang="en-US" altLang="ko-KR" smtClean="0"/>
-              <a:t>5/14/2018</a:t>
+              <a:t>5/15/2018</a:t>
             </a:fld>
             <a:endParaRPr lang="en-US" dirty="0"/>
           </a:p>
@@ -2757,7 +2757,7 @@
           <a:p>
             <a:fld id="{14CF23BC-FE77-4485-B606-6CBA74C5D36E}" type="datetime1">
               <a:rPr lang="en-US" altLang="ko-KR" smtClean="0"/>
-              <a:t>5/14/2018</a:t>
+              <a:t>5/15/2018</a:t>
             </a:fld>
             <a:endParaRPr lang="en-US" dirty="0"/>
           </a:p>
@@ -3105,7 +3105,7 @@
           <a:p>
             <a:fld id="{808D6C14-1859-4DDA-AD38-00DE62AE1826}" type="datetime1">
               <a:rPr lang="en-US" altLang="ko-KR" smtClean="0"/>
-              <a:t>5/14/2018</a:t>
+              <a:t>5/15/2018</a:t>
             </a:fld>
             <a:endParaRPr lang="en-US" dirty="0"/>
           </a:p>
@@ -3534,7 +3534,7 @@
           <a:p>
             <a:fld id="{AE734E95-C037-429B-8B5F-D0FAB25DE16C}" type="datetime1">
               <a:rPr lang="en-US" altLang="ko-KR" smtClean="0"/>
-              <a:t>5/14/2018</a:t>
+              <a:t>5/15/2018</a:t>
             </a:fld>
             <a:endParaRPr lang="en-US" dirty="0"/>
           </a:p>
@@ -3851,7 +3851,7 @@
           <a:p>
             <a:fld id="{E0770D22-4CCF-46DD-9D25-F19CC4764808}" type="datetime1">
               <a:rPr lang="en-US" altLang="ko-KR" smtClean="0"/>
-              <a:t>5/14/2018</a:t>
+              <a:t>5/15/2018</a:t>
             </a:fld>
             <a:endParaRPr lang="en-US" dirty="0"/>
           </a:p>
@@ -8704,7 +8704,7 @@
               <a:buAutoNum type="alphaUcPeriod"/>
             </a:pPr>
             <a:r>
-              <a:rPr lang="en-US" altLang="ko-KR" sz="2300" dirty="0">
+              <a:rPr lang="ko-KR" altLang="en-US" sz="2300" i="0" dirty="0">
                 <a:solidFill>
                   <a:schemeClr val="tx1">
                     <a:lumMod val="95000"/>
@@ -8721,8 +8721,186 @@
                 <a:latin typeface="맑은 고딕" panose="020B0503020000020004" pitchFamily="50" charset="-127"/>
                 <a:ea typeface="맑은 고딕" panose="020B0503020000020004" pitchFamily="50" charset="-127"/>
               </a:rPr>
-              <a:t>?</a:t>
+              <a:t>로비 서버 </a:t>
             </a:r>
+            <a:r>
+              <a:rPr lang="en-US" altLang="ko-KR" sz="2300" i="0" dirty="0">
+                <a:solidFill>
+                  <a:schemeClr val="tx1">
+                    <a:lumMod val="95000"/>
+                    <a:lumOff val="5000"/>
+                  </a:schemeClr>
+                </a:solidFill>
+                <a:effectLst>
+                  <a:outerShdw blurRad="38100" dist="38100" dir="2700000" algn="tl">
+                    <a:srgbClr val="000000">
+                      <a:alpha val="43137"/>
+                    </a:srgbClr>
+                  </a:outerShdw>
+                </a:effectLst>
+                <a:latin typeface="맑은 고딕" panose="020B0503020000020004" pitchFamily="50" charset="-127"/>
+                <a:ea typeface="맑은 고딕" panose="020B0503020000020004" pitchFamily="50" charset="-127"/>
+              </a:rPr>
+              <a:t>/ </a:t>
+            </a:r>
+            <a:r>
+              <a:rPr lang="ko-KR" altLang="en-US" sz="2300" i="0" dirty="0">
+                <a:solidFill>
+                  <a:schemeClr val="tx1">
+                    <a:lumMod val="95000"/>
+                    <a:lumOff val="5000"/>
+                  </a:schemeClr>
+                </a:solidFill>
+                <a:effectLst>
+                  <a:outerShdw blurRad="38100" dist="38100" dir="2700000" algn="tl">
+                    <a:srgbClr val="000000">
+                      <a:alpha val="43137"/>
+                    </a:srgbClr>
+                  </a:outerShdw>
+                </a:effectLst>
+                <a:latin typeface="맑은 고딕" panose="020B0503020000020004" pitchFamily="50" charset="-127"/>
+                <a:ea typeface="맑은 고딕" panose="020B0503020000020004" pitchFamily="50" charset="-127"/>
+              </a:rPr>
+              <a:t>방 </a:t>
+            </a:r>
+            <a:r>
+              <a:rPr lang="ko-KR" altLang="en-US" sz="2300" i="0" dirty="0" err="1">
+                <a:solidFill>
+                  <a:schemeClr val="tx1">
+                    <a:lumMod val="95000"/>
+                    <a:lumOff val="5000"/>
+                  </a:schemeClr>
+                </a:solidFill>
+                <a:effectLst>
+                  <a:outerShdw blurRad="38100" dist="38100" dir="2700000" algn="tl">
+                    <a:srgbClr val="000000">
+                      <a:alpha val="43137"/>
+                    </a:srgbClr>
+                  </a:outerShdw>
+                </a:effectLst>
+                <a:latin typeface="맑은 고딕" panose="020B0503020000020004" pitchFamily="50" charset="-127"/>
+                <a:ea typeface="맑은 고딕" panose="020B0503020000020004" pitchFamily="50" charset="-127"/>
+              </a:rPr>
+              <a:t>만드는거</a:t>
+            </a:r>
+            <a:endParaRPr lang="en-US" altLang="ko-KR" sz="2300" dirty="0">
+              <a:solidFill>
+                <a:schemeClr val="tx1">
+                  <a:lumMod val="95000"/>
+                  <a:lumOff val="5000"/>
+                </a:schemeClr>
+              </a:solidFill>
+              <a:effectLst>
+                <a:outerShdw blurRad="38100" dist="38100" dir="2700000" algn="tl">
+                  <a:srgbClr val="000000">
+                    <a:alpha val="43137"/>
+                  </a:srgbClr>
+                </a:outerShdw>
+              </a:effectLst>
+              <a:latin typeface="맑은 고딕" panose="020B0503020000020004" pitchFamily="50" charset="-127"/>
+              <a:ea typeface="맑은 고딕" panose="020B0503020000020004" pitchFamily="50" charset="-127"/>
+            </a:endParaRPr>
+          </a:p>
+          <a:p>
+            <a:pPr marL="457200" indent="-457200">
+              <a:lnSpc>
+                <a:spcPct val="160000"/>
+              </a:lnSpc>
+              <a:buFont typeface="+mj-lt"/>
+              <a:buAutoNum type="alphaUcPeriod"/>
+            </a:pPr>
+            <a:r>
+              <a:rPr lang="ko-KR" altLang="en-US" sz="2300" i="0" dirty="0">
+                <a:solidFill>
+                  <a:schemeClr val="tx1">
+                    <a:lumMod val="95000"/>
+                    <a:lumOff val="5000"/>
+                  </a:schemeClr>
+                </a:solidFill>
+                <a:effectLst>
+                  <a:outerShdw blurRad="38100" dist="38100" dir="2700000" algn="tl">
+                    <a:srgbClr val="000000">
+                      <a:alpha val="43137"/>
+                    </a:srgbClr>
+                  </a:outerShdw>
+                </a:effectLst>
+                <a:latin typeface="맑은 고딕" panose="020B0503020000020004" pitchFamily="50" charset="-127"/>
+                <a:ea typeface="맑은 고딕" panose="020B0503020000020004" pitchFamily="50" charset="-127"/>
+              </a:rPr>
+              <a:t>기능 추가되는 것마다 서버와 동기화</a:t>
+            </a:r>
+            <a:endParaRPr lang="en-US" altLang="ko-KR" sz="2300" i="0" dirty="0">
+              <a:solidFill>
+                <a:schemeClr val="tx1">
+                  <a:lumMod val="95000"/>
+                  <a:lumOff val="5000"/>
+                </a:schemeClr>
+              </a:solidFill>
+              <a:effectLst>
+                <a:outerShdw blurRad="38100" dist="38100" dir="2700000" algn="tl">
+                  <a:srgbClr val="000000">
+                    <a:alpha val="43137"/>
+                  </a:srgbClr>
+                </a:outerShdw>
+              </a:effectLst>
+              <a:latin typeface="맑은 고딕" panose="020B0503020000020004" pitchFamily="50" charset="-127"/>
+              <a:ea typeface="맑은 고딕" panose="020B0503020000020004" pitchFamily="50" charset="-127"/>
+            </a:endParaRPr>
+          </a:p>
+          <a:p>
+            <a:pPr marL="457200" indent="-457200">
+              <a:lnSpc>
+                <a:spcPct val="160000"/>
+              </a:lnSpc>
+              <a:buFont typeface="+mj-lt"/>
+              <a:buAutoNum type="alphaUcPeriod"/>
+            </a:pPr>
+            <a:r>
+              <a:rPr lang="ko-KR" altLang="en-US" sz="2300" dirty="0">
+                <a:solidFill>
+                  <a:schemeClr val="tx1">
+                    <a:lumMod val="95000"/>
+                    <a:lumOff val="5000"/>
+                  </a:schemeClr>
+                </a:solidFill>
+                <a:effectLst>
+                  <a:outerShdw blurRad="38100" dist="38100" dir="2700000" algn="tl">
+                    <a:srgbClr val="000000">
+                      <a:alpha val="43137"/>
+                    </a:srgbClr>
+                  </a:outerShdw>
+                </a:effectLst>
+                <a:latin typeface="맑은 고딕" panose="020B0503020000020004" pitchFamily="50" charset="-127"/>
+                <a:ea typeface="맑은 고딕" panose="020B0503020000020004" pitchFamily="50" charset="-127"/>
+              </a:rPr>
+              <a:t>로그인</a:t>
+            </a:r>
+            <a:endParaRPr lang="en-US" altLang="ko-KR" sz="2300" dirty="0">
+              <a:solidFill>
+                <a:schemeClr val="tx1">
+                  <a:lumMod val="95000"/>
+                  <a:lumOff val="5000"/>
+                </a:schemeClr>
+              </a:solidFill>
+              <a:effectLst>
+                <a:outerShdw blurRad="38100" dist="38100" dir="2700000" algn="tl">
+                  <a:srgbClr val="000000">
+                    <a:alpha val="43137"/>
+                  </a:srgbClr>
+                </a:outerShdw>
+              </a:effectLst>
+              <a:latin typeface="맑은 고딕" panose="020B0503020000020004" pitchFamily="50" charset="-127"/>
+              <a:ea typeface="맑은 고딕" panose="020B0503020000020004" pitchFamily="50" charset="-127"/>
+            </a:endParaRPr>
+          </a:p>
+          <a:p>
+            <a:pPr marL="457200" indent="-457200">
+              <a:lnSpc>
+                <a:spcPct val="160000"/>
+              </a:lnSpc>
+              <a:buFont typeface="+mj-lt"/>
+              <a:buAutoNum type="alphaUcPeriod"/>
+            </a:pPr>
             <a:endParaRPr lang="en-US" altLang="ko-KR" sz="1950" i="0" dirty="0">
               <a:solidFill>
                 <a:schemeClr val="tx1">
